--- a/Chanco_ST6103_GLM_2019_Henrion_Practical2.pptx
+++ b/Chanco_ST6103_GLM_2019_Henrion_Practical2.pptx
@@ -11,7 +11,6 @@
     <p:sldId id="259" r:id="rId5"/>
     <p:sldId id="260" r:id="rId6"/>
     <p:sldId id="261" r:id="rId7"/>
-    <p:sldId id="262" r:id="rId8"/>
   </p:sldIdLst>
   <p:sldSz cx="12192000" cy="6858000"/>
   <p:notesSz cx="6858000" cy="9144000"/>
@@ -3152,440 +3151,6 @@
             </a:pPr>
             <a:r>
               <a:rPr/>
-              <a:t>Notation</a:t>
-            </a:r>
-          </a:p>
-        </p:txBody>
-      </p:sp>
-      <mc:AlternateContent xmlns:mc="http://schemas.openxmlformats.org/markup-compatibility/2006">
-        <mc:Choice xmlns:a14="http://schemas.microsoft.com/office/drawing/2010/main" Requires="a14">
-          <p:sp>
-            <p:nvSpPr>
-              <p:cNvPr id="3" name="Content Placeholder 2">
-                <a:extLst>
-                  <a:ext uri="{FF2B5EF4-FFF2-40B4-BE49-F238E27FC236}">
-                    <a16:creationId xmlns:a16="http://schemas.microsoft.com/office/drawing/2014/main" id="{288BC91F-1C76-43AE-8B2A-956D48B768BE}"/>
-                  </a:ext>
-                </a:extLst>
-              </p:cNvPr>
-              <p:cNvSpPr>
-                <a:spLocks noGrp="1"/>
-              </p:cNvSpPr>
-              <p:nvPr>
-                <p:ph idx="1"/>
-              </p:nvPr>
-            </p:nvSpPr>
-            <p:spPr/>
-            <p:txBody>
-              <a:bodyPr/>
-              <a:lstStyle/>
-              <a:p>
-                <a:pPr lvl="1"/>
-                <a14:m>
-                  <m:oMath xmlns:m="http://schemas.openxmlformats.org/officeDocument/2006/math">
-                    <m:r>
-                      <m:t>X</m:t>
-                    </m:r>
-                    <m:r>
-                      <m:t>,</m:t>
-                    </m:r>
-                    <m:r>
-                      <m:t>Y</m:t>
-                    </m:r>
-                  </m:oMath>
-                </a14:m>
-                <a:r>
-                  <a:rPr/>
-                  <a:t> - random variables (here: X = predictor, Y = response)</a:t>
-                </a:r>
-              </a:p>
-              <a:p>
-                <a:pPr lvl="1"/>
-                <a14:m>
-                  <m:oMath xmlns:m="http://schemas.openxmlformats.org/officeDocument/2006/math">
-                    <m:r>
-                      <m:t>x</m:t>
-                    </m:r>
-                    <m:r>
-                      <m:t>,</m:t>
-                    </m:r>
-                    <m:r>
-                      <m:t>y</m:t>
-                    </m:r>
-                  </m:oMath>
-                </a14:m>
-                <a:r>
-                  <a:rPr/>
-                  <a:t> - measured / observed values</a:t>
-                </a:r>
-              </a:p>
-              <a:p>
-                <a:pPr lvl="1"/>
-                <a14:m>
-                  <m:oMath xmlns:m="http://schemas.openxmlformats.org/officeDocument/2006/math">
-                    <m:r>
-                      <m:t>ϵ</m:t>
-                    </m:r>
-                  </m:oMath>
-                </a14:m>
-                <a:r>
-                  <a:rPr/>
-                  <a:t> - random variable (here: error / residual)</a:t>
-                </a:r>
-              </a:p>
-              <a:p>
-                <a:pPr lvl="1"/>
-                <a14:m>
-                  <m:oMath xmlns:m="http://schemas.openxmlformats.org/officeDocument/2006/math">
-                    <m:r>
-                      <m:rPr>
-                        <m:sty m:val="b"/>
-                      </m:rPr>
-                      <m:t>θ</m:t>
-                    </m:r>
-                  </m:oMath>
-                </a14:m>
-                <a:r>
-                  <a:rPr/>
-                  <a:t> - a vector of parameters</a:t>
-                </a:r>
-              </a:p>
-              <a:p>
-                <a:pPr lvl="1"/>
-                <a14:m>
-                  <m:oMath xmlns:m="http://schemas.openxmlformats.org/officeDocument/2006/math">
-                    <m:bar>
-                      <m:barPr>
-                        <m:pos m:val="top"/>
-                      </m:barPr>
-                      <m:e>
-                        <m:r>
-                          <m:t>X</m:t>
-                        </m:r>
-                      </m:e>
-                    </m:bar>
-                  </m:oMath>
-                </a14:m>
-                <a:r>
-                  <a:rPr/>
-                  <a:t>, </a:t>
-                </a:r>
-                <a14:m>
-                  <m:oMath xmlns:m="http://schemas.openxmlformats.org/officeDocument/2006/math">
-                    <m:bar>
-                      <m:barPr>
-                        <m:pos m:val="top"/>
-                      </m:barPr>
-                      <m:e>
-                        <m:r>
-                          <m:t>Y</m:t>
-                        </m:r>
-                      </m:e>
-                    </m:bar>
-                  </m:oMath>
-                </a14:m>
-                <a:r>
-                  <a:rPr/>
-                  <a:t> - sample mean estimators for X, Y</a:t>
-                </a:r>
-              </a:p>
-              <a:p>
-                <a:pPr lvl="1"/>
-                <a14:m>
-                  <m:oMath xmlns:m="http://schemas.openxmlformats.org/officeDocument/2006/math">
-                    <m:bar>
-                      <m:barPr>
-                        <m:pos m:val="top"/>
-                      </m:barPr>
-                      <m:e>
-                        <m:r>
-                          <m:t>x</m:t>
-                        </m:r>
-                      </m:e>
-                    </m:bar>
-                  </m:oMath>
-                </a14:m>
-                <a:r>
-                  <a:rPr/>
-                  <a:t>, </a:t>
-                </a:r>
-                <a14:m>
-                  <m:oMath xmlns:m="http://schemas.openxmlformats.org/officeDocument/2006/math">
-                    <m:bar>
-                      <m:barPr>
-                        <m:pos m:val="top"/>
-                      </m:barPr>
-                      <m:e>
-                        <m:r>
-                          <m:t>y</m:t>
-                        </m:r>
-                      </m:e>
-                    </m:bar>
-                  </m:oMath>
-                </a14:m>
-                <a:r>
-                  <a:rPr/>
-                  <a:t> - sample mean estimates of X, Y</a:t>
-                </a:r>
-              </a:p>
-              <a:p>
-                <a:pPr lvl="1"/>
-                <a14:m>
-                  <m:oMath xmlns:m="http://schemas.openxmlformats.org/officeDocument/2006/math">
-                    <m:acc>
-                      <m:accPr>
-                        <m:chr m:val="̂"/>
-                      </m:accPr>
-                      <m:e>
-                        <m:r>
-                          <m:t>T</m:t>
-                        </m:r>
-                      </m:e>
-                    </m:acc>
-                  </m:oMath>
-                </a14:m>
-                <a:r>
-                  <a:rPr/>
-                  <a:t>, </a:t>
-                </a:r>
-                <a14:m>
-                  <m:oMath xmlns:m="http://schemas.openxmlformats.org/officeDocument/2006/math">
-                    <m:acc>
-                      <m:accPr>
-                        <m:chr m:val="̂"/>
-                      </m:accPr>
-                      <m:e>
-                        <m:r>
-                          <m:t>t</m:t>
-                        </m:r>
-                      </m:e>
-                    </m:acc>
-                  </m:oMath>
-                </a14:m>
-                <a:r>
-                  <a:rPr/>
-                  <a:t> - given a statistic T, estimator and estimate of T</a:t>
-                </a:r>
-              </a:p>
-              <a:p>
-                <a:pPr lvl="1"/>
-                <a14:m>
-                  <m:oMath xmlns:m="http://schemas.openxmlformats.org/officeDocument/2006/math">
-                    <m:r>
-                      <m:t>P</m:t>
-                    </m:r>
-                    <m:r>
-                      <m:t>(</m:t>
-                    </m:r>
-                    <m:r>
-                      <m:t>A</m:t>
-                    </m:r>
-                    <m:r>
-                      <m:t>)</m:t>
-                    </m:r>
-                  </m:oMath>
-                </a14:m>
-                <a:r>
-                  <a:rPr/>
-                  <a:t> - probability of an event A occuring</a:t>
-                </a:r>
-              </a:p>
-              <a:p>
-                <a:pPr lvl="1"/>
-                <a14:m>
-                  <m:oMath xmlns:m="http://schemas.openxmlformats.org/officeDocument/2006/math">
-                    <m:sSub>
-                      <m:e>
-                        <m:r>
-                          <m:t>f</m:t>
-                        </m:r>
-                      </m:e>
-                      <m:sub>
-                        <m:r>
-                          <m:t>X</m:t>
-                        </m:r>
-                      </m:sub>
-                    </m:sSub>
-                    <m:r>
-                      <m:t>(</m:t>
-                    </m:r>
-                    <m:r>
-                      <m:t>.</m:t>
-                    </m:r>
-                    <m:r>
-                      <m:t>)</m:t>
-                    </m:r>
-                  </m:oMath>
-                </a14:m>
-                <a:r>
-                  <a:rPr/>
-                  <a:t>, </a:t>
-                </a:r>
-                <a14:m>
-                  <m:oMath xmlns:m="http://schemas.openxmlformats.org/officeDocument/2006/math">
-                    <m:sSub>
-                      <m:e>
-                        <m:r>
-                          <m:t>f</m:t>
-                        </m:r>
-                      </m:e>
-                      <m:sub>
-                        <m:r>
-                          <m:t>Y</m:t>
-                        </m:r>
-                      </m:sub>
-                    </m:sSub>
-                    <m:r>
-                      <m:t>(</m:t>
-                    </m:r>
-                    <m:r>
-                      <m:t>.</m:t>
-                    </m:r>
-                    <m:r>
-                      <m:t>)</m:t>
-                    </m:r>
-                  </m:oMath>
-                </a14:m>
-                <a:r>
-                  <a:rPr/>
-                  <a:t> - distribution mass / density functions of X, Y</a:t>
-                </a:r>
-              </a:p>
-              <a:p>
-                <a:pPr lvl="1"/>
-                <a14:m>
-                  <m:oMath xmlns:m="http://schemas.openxmlformats.org/officeDocument/2006/math">
-                    <m:r>
-                      <m:t>X</m:t>
-                    </m:r>
-                    <m:r>
-                      <m:t>∼</m:t>
-                    </m:r>
-                    <m:r>
-                      <m:t>F</m:t>
-                    </m:r>
-                  </m:oMath>
-                </a14:m>
-                <a:r>
-                  <a:rPr/>
-                  <a:t> - X distributed according to distribution function F</a:t>
-                </a:r>
-              </a:p>
-              <a:p>
-                <a:pPr lvl="1"/>
-                <a14:m>
-                  <m:oMath xmlns:m="http://schemas.openxmlformats.org/officeDocument/2006/math">
-                    <m:r>
-                      <m:t>E</m:t>
-                    </m:r>
-                    <m:r>
-                      <m:t>[</m:t>
-                    </m:r>
-                    <m:r>
-                      <m:t>X</m:t>
-                    </m:r>
-                    <m:r>
-                      <m:t>]</m:t>
-                    </m:r>
-                  </m:oMath>
-                </a14:m>
-                <a:r>
-                  <a:rPr/>
-                  <a:t>, </a:t>
-                </a:r>
-                <a14:m>
-                  <m:oMath xmlns:m="http://schemas.openxmlformats.org/officeDocument/2006/math">
-                    <m:r>
-                      <m:t>E</m:t>
-                    </m:r>
-                    <m:r>
-                      <m:t>[</m:t>
-                    </m:r>
-                    <m:r>
-                      <m:t>Y</m:t>
-                    </m:r>
-                    <m:r>
-                      <m:t>]</m:t>
-                    </m:r>
-                  </m:oMath>
-                </a14:m>
-                <a:r>
-                  <a:rPr/>
-                  <a:t>, </a:t>
-                </a:r>
-                <a14:m>
-                  <m:oMath xmlns:m="http://schemas.openxmlformats.org/officeDocument/2006/math">
-                    <m:r>
-                      <m:t>E</m:t>
-                    </m:r>
-                    <m:r>
-                      <m:t>[</m:t>
-                    </m:r>
-                    <m:r>
-                      <m:t>T</m:t>
-                    </m:r>
-                    <m:r>
-                      <m:t>]</m:t>
-                    </m:r>
-                  </m:oMath>
-                </a14:m>
-                <a:r>
-                  <a:rPr/>
-                  <a:t> - the expectation of X, Y, T respectively</a:t>
-                </a:r>
-              </a:p>
-            </p:txBody>
-          </p:sp>
-        </mc:Choice>
-      </mc:AlternateContent>
-    </p:spTree>
-  </p:cSld>
-</p:sld>
-</file>
-
-<file path=ppt/slides/slide4.xml><?xml version="1.0" encoding="utf-8"?>
-<p:sld xmlns:a="http://schemas.openxmlformats.org/drawingml/2006/main" xmlns:r="http://schemas.openxmlformats.org/officeDocument/2006/relationships" xmlns:p="http://schemas.openxmlformats.org/presentationml/2006/main">
-  <p:cSld>
-    <p:spTree>
-      <p:nvGrpSpPr>
-        <p:cNvPr id="1" name=""/>
-        <p:cNvGrpSpPr/>
-        <p:nvPr/>
-      </p:nvGrpSpPr>
-      <p:grpSpPr>
-        <a:xfrm>
-          <a:off x="0" y="0"/>
-          <a:ext cx="0" cy="0"/>
-          <a:chOff x="0" y="0"/>
-          <a:chExt cx="0" cy="0"/>
-        </a:xfrm>
-      </p:grpSpPr>
-      <p:sp>
-        <p:nvSpPr>
-          <p:cNvPr id="2" name="Title 1">
-            <a:extLst>
-              <a:ext uri="{FF2B5EF4-FFF2-40B4-BE49-F238E27FC236}">
-                <a16:creationId xmlns:a16="http://schemas.microsoft.com/office/drawing/2014/main" id="{D6AA89D5-560C-4369-A313-7C24EDF028A0}"/>
-              </a:ext>
-            </a:extLst>
-          </p:cNvPr>
-          <p:cNvSpPr>
-            <a:spLocks noGrp="1"/>
-          </p:cNvSpPr>
-          <p:nvPr>
-            <p:ph type="title"/>
-          </p:nvPr>
-        </p:nvSpPr>
-        <p:spPr/>
-        <p:txBody>
-          <a:bodyPr/>
-          <a:lstStyle/>
-          <a:p>
-            <a:pPr lvl="0" marL="0" indent="0">
-              <a:buNone/>
-            </a:pPr>
-            <a:r>
-              <a:rPr/>
               <a:t>Exercise</a:t>
             </a:r>
             <a:r>
@@ -3869,7 +3434,7 @@
 </p:sld>
 </file>
 
-<file path=ppt/slides/slide5.xml><?xml version="1.0" encoding="utf-8"?>
+<file path=ppt/slides/slide4.xml><?xml version="1.0" encoding="utf-8"?>
 <p:sld xmlns:a="http://schemas.openxmlformats.org/drawingml/2006/main" xmlns:r="http://schemas.openxmlformats.org/officeDocument/2006/relationships" xmlns:p="http://schemas.openxmlformats.org/presentationml/2006/main">
   <p:cSld>
     <p:spTree>
@@ -4018,7 +3583,7 @@
 </p:sld>
 </file>
 
-<file path=ppt/slides/slide6.xml><?xml version="1.0" encoding="utf-8"?>
+<file path=ppt/slides/slide5.xml><?xml version="1.0" encoding="utf-8"?>
 <p:sld xmlns:a="http://schemas.openxmlformats.org/drawingml/2006/main" xmlns:r="http://schemas.openxmlformats.org/officeDocument/2006/relationships" xmlns:p="http://schemas.openxmlformats.org/presentationml/2006/main">
   <p:cSld>
     <p:spTree>
@@ -4137,7 +3702,7 @@
             <a:pPr lvl="1"/>
             <a:r>
               <a:rPr/>
-              <a:t>Explore this dataset: produce histograms for the different variables and produce pairwise scatterplots.</a:t>
+              <a:t>Explore this dataset: produce histograms &amp; scatterplots.</a:t>
             </a:r>
           </a:p>
           <a:p>
@@ -4154,14 +3719,103 @@
             </a:r>
             <a:r>
               <a:rPr/>
-              <a:t> to build a GLM model to do this.</a:t>
+              <a:t> to build a GLM model regressing the </a:t>
+            </a:r>
+            <a:r>
+              <a:rPr sz="1800">
+                <a:latin typeface="Courier"/>
+              </a:rPr>
+              <a:t>mpg</a:t>
+            </a:r>
+            <a:r>
+              <a:rPr/>
+              <a:t> variables on </a:t>
+            </a:r>
+            <a:r>
+              <a:rPr sz="1800">
+                <a:latin typeface="Courier"/>
+              </a:rPr>
+              <a:t>hp</a:t>
+            </a:r>
+            <a:r>
+              <a:rPr/>
+              <a:t> (horsepower), </a:t>
+            </a:r>
+            <a:r>
+              <a:rPr sz="1800">
+                <a:latin typeface="Courier"/>
+              </a:rPr>
+              <a:t>disp</a:t>
+            </a:r>
+            <a:r>
+              <a:rPr/>
+              <a:t> (displacement),</a:t>
+            </a:r>
+            <a:r>
+              <a:rPr sz="1800">
+                <a:latin typeface="Courier"/>
+              </a:rPr>
+              <a:t>cyl</a:t>
+            </a:r>
+            <a:r>
+              <a:rPr/>
+              <a:t> (cylinders) and </a:t>
+            </a:r>
+            <a:r>
+              <a:rPr sz="1800">
+                <a:latin typeface="Courier"/>
+              </a:rPr>
+              <a:t>wt</a:t>
+            </a:r>
+            <a:r>
+              <a:rPr/>
+              <a:t> (weight). Interpret the model output.</a:t>
             </a:r>
           </a:p>
           <a:p>
             <a:pPr lvl="1"/>
             <a:r>
               <a:rPr/>
-              <a:t>Buid a model that would allow you to predict whether a car has manual or automatic transmission.</a:t>
+              <a:t>Buid a model that would allow you to predict whether a car has manual or automatic transmission. Specifically, regress </a:t>
+            </a:r>
+            <a:r>
+              <a:rPr sz="1800">
+                <a:latin typeface="Courier"/>
+              </a:rPr>
+              <a:t>am</a:t>
+            </a:r>
+            <a:r>
+              <a:rPr/>
+              <a:t> (transmission) on </a:t>
+            </a:r>
+            <a:r>
+              <a:rPr sz="1800">
+                <a:latin typeface="Courier"/>
+              </a:rPr>
+              <a:t>hp</a:t>
+            </a:r>
+            <a:r>
+              <a:rPr/>
+              <a:t> (horse power) and </a:t>
+            </a:r>
+            <a:r>
+              <a:rPr sz="1800">
+                <a:latin typeface="Courier"/>
+              </a:rPr>
+              <a:t>wt</a:t>
+            </a:r>
+            <a:r>
+              <a:rPr/>
+              <a:t> (weight). Be careful to specify a binomial distribution with logit link! What about a log link? Identity link?</a:t>
+            </a:r>
+          </a:p>
+          <a:p>
+            <a:pPr lvl="0" marL="0" indent="0">
+              <a:buNone/>
+            </a:pPr>
+            <a:r>
+              <a:rPr/>
+              <a:t>Discuss (and explore!) your model results. What other variables would you consider including into the models?</a:t>
             </a:r>
           </a:p>
         </p:txBody>
@@ -4171,7 +3825,7 @@
 </p:sld>
 </file>
 
-<file path=ppt/slides/slide7.xml><?xml version="1.0" encoding="utf-8"?>
+<file path=ppt/slides/slide6.xml><?xml version="1.0" encoding="utf-8"?>
 <p:sld xmlns:a="http://schemas.openxmlformats.org/drawingml/2006/main" xmlns:r="http://schemas.openxmlformats.org/officeDocument/2006/relationships" xmlns:p="http://schemas.openxmlformats.org/presentationml/2006/main">
   <p:cSld>
     <p:spTree>

--- a/Chanco_ST6103_GLM_2019_Henrion_Practical2.pptx
+++ b/Chanco_ST6103_GLM_2019_Henrion_Practical2.pptx
@@ -11,6 +11,7 @@
     <p:sldId id="259" r:id="rId5"/>
     <p:sldId id="260" r:id="rId6"/>
     <p:sldId id="261" r:id="rId7"/>
+    <p:sldId id="262" r:id="rId8"/>
   </p:sldIdLst>
   <p:sldSz cx="12192000" cy="6858000"/>
   <p:notesSz cx="6858000" cy="9144000"/>
@@ -3844,6 +3845,129 @@
       </p:grpSpPr>
       <p:sp>
         <p:nvSpPr>
+          <p:cNvPr id="2" name="Title 1">
+            <a:extLst>
+              <a:ext uri="{FF2B5EF4-FFF2-40B4-BE49-F238E27FC236}">
+                <a16:creationId xmlns:a16="http://schemas.microsoft.com/office/drawing/2014/main" id="{D6AA89D5-560C-4369-A313-7C24EDF028A0}"/>
+              </a:ext>
+            </a:extLst>
+          </p:cNvPr>
+          <p:cNvSpPr>
+            <a:spLocks noGrp="1"/>
+          </p:cNvSpPr>
+          <p:nvPr>
+            <p:ph type="title"/>
+          </p:nvPr>
+        </p:nvSpPr>
+        <p:spPr/>
+        <p:txBody>
+          <a:bodyPr/>
+          <a:lstStyle/>
+          <a:p>
+            <a:pPr lvl="0" marL="0" indent="0">
+              <a:buNone/>
+            </a:pPr>
+            <a:r>
+              <a:rPr/>
+              <a:t>Exercise</a:t>
+            </a:r>
+            <a:r>
+              <a:rPr/>
+              <a:t> </a:t>
+            </a:r>
+            <a:r>
+              <a:rPr/>
+              <a:t>4</a:t>
+            </a:r>
+          </a:p>
+        </p:txBody>
+      </p:sp>
+      <mc:AlternateContent xmlns:mc="http://schemas.openxmlformats.org/markup-compatibility/2006">
+        <mc:Choice xmlns:a14="http://schemas.microsoft.com/office/drawing/2010/main" Requires="a14">
+          <p:sp>
+            <p:nvSpPr>
+              <p:cNvPr id="3" name="Content Placeholder 2">
+                <a:extLst>
+                  <a:ext uri="{FF2B5EF4-FFF2-40B4-BE49-F238E27FC236}">
+                    <a16:creationId xmlns:a16="http://schemas.microsoft.com/office/drawing/2014/main" id="{288BC91F-1C76-43AE-8B2A-956D48B768BE}"/>
+                  </a:ext>
+                </a:extLst>
+              </p:cNvPr>
+              <p:cNvSpPr>
+                <a:spLocks noGrp="1"/>
+              </p:cNvSpPr>
+              <p:nvPr>
+                <p:ph idx="1"/>
+              </p:nvPr>
+            </p:nvSpPr>
+            <p:spPr/>
+            <p:txBody>
+              <a:bodyPr/>
+              <a:lstStyle/>
+              <a:p>
+                <a:pPr lvl="0" marL="0" indent="0">
+                  <a:buNone/>
+                </a:pPr>
+                <a14:m>
+                  <m:oMathPara xmlns:m="http://schemas.openxmlformats.org/officeDocument/2006/math">
+                    <m:oMathParaPr>
+                      <m:jc m:val="center"/>
+                    </m:oMathParaPr>
+                    <m:oMath>
+                      <m:r>
+                        <m:t> </m:t>
+                      </m:r>
+                    </m:oMath>
+                  </m:oMathPara>
+                </a14:m>
+              </a:p>
+              <a:p>
+                <a:pPr lvl="0" marL="0" indent="0">
+                  <a:buNone/>
+                </a:pPr>
+                <a:r>
+                  <a:rPr/>
+                  <a:t>Still using </a:t>
+                </a:r>
+                <a:r>
+                  <a:rPr sz="1800">
+                    <a:latin typeface="Courier"/>
+                  </a:rPr>
+                  <a:t>mtcars</a:t>
+                </a:r>
+                <a:r>
+                  <a:rPr/>
+                  <a:t>, compare the miles per gallon ratings for automatic and manual cars using both ANOVA and a general linear model.</a:t>
+                </a:r>
+              </a:p>
+            </p:txBody>
+          </p:sp>
+        </mc:Choice>
+      </mc:AlternateContent>
+    </p:spTree>
+  </p:cSld>
+</p:sld>
+</file>
+
+<file path=ppt/slides/slide7.xml><?xml version="1.0" encoding="utf-8"?>
+<p:sld xmlns:a="http://schemas.openxmlformats.org/drawingml/2006/main" xmlns:r="http://schemas.openxmlformats.org/officeDocument/2006/relationships" xmlns:p="http://schemas.openxmlformats.org/presentationml/2006/main">
+  <p:cSld>
+    <p:spTree>
+      <p:nvGrpSpPr>
+        <p:cNvPr id="1" name=""/>
+        <p:cNvGrpSpPr/>
+        <p:nvPr/>
+      </p:nvGrpSpPr>
+      <p:grpSpPr>
+        <a:xfrm>
+          <a:off x="0" y="0"/>
+          <a:ext cx="0" cy="0"/>
+          <a:chOff x="0" y="0"/>
+          <a:chExt cx="0" cy="0"/>
+        </a:xfrm>
+      </p:grpSpPr>
+      <p:sp>
+        <p:nvSpPr>
           <p:cNvPr id="3" name="Content Placeholder 2">
             <a:extLst>
               <a:ext uri="{FF2B5EF4-FFF2-40B4-BE49-F238E27FC236}">
